--- a/ppts/photonmapping/Deep Photon Mapping.pptx
+++ b/ppts/photonmapping/Deep Photon Mapping.pptx
@@ -5,10 +5,10 @@
     <p:sldMasterId id="2147483658" r:id="rId1"/>
   </p:sldMasterIdLst>
   <p:notesMasterIdLst>
-    <p:notesMasterId r:id="rId12"/>
+    <p:notesMasterId r:id="rId16"/>
   </p:notesMasterIdLst>
   <p:handoutMasterIdLst>
-    <p:handoutMasterId r:id="rId13"/>
+    <p:handoutMasterId r:id="rId17"/>
   </p:handoutMasterIdLst>
   <p:sldIdLst>
     <p:sldId id="717" r:id="rId2"/>
@@ -20,7 +20,11 @@
     <p:sldId id="724" r:id="rId8"/>
     <p:sldId id="725" r:id="rId9"/>
     <p:sldId id="726" r:id="rId10"/>
-    <p:sldId id="727" r:id="rId11"/>
+    <p:sldId id="730" r:id="rId11"/>
+    <p:sldId id="731" r:id="rId12"/>
+    <p:sldId id="728" r:id="rId13"/>
+    <p:sldId id="733" r:id="rId14"/>
+    <p:sldId id="732" r:id="rId15"/>
   </p:sldIdLst>
   <p:sldSz cx="12192000" cy="6858000"/>
   <p:notesSz cx="6858000" cy="9144000"/>
@@ -6883,12 +6887,46 @@
           </a:p>
         </p:txBody>
       </p:sp>
+      <p:sp>
+        <p:nvSpPr>
+          <p:cNvPr id="11" name="正方形/長方形 10">
+            <a:extLst>
+              <a:ext uri="{FF2B5EF4-FFF2-40B4-BE49-F238E27FC236}">
+                <a16:creationId xmlns:a16="http://schemas.microsoft.com/office/drawing/2014/main" id="{4072D5E7-FD42-47B5-B380-3110C365D02D}"/>
+              </a:ext>
+            </a:extLst>
+          </p:cNvPr>
+          <p:cNvSpPr/>
+          <p:nvPr/>
+        </p:nvSpPr>
+        <p:spPr>
+          <a:xfrm>
+            <a:off x="1281496" y="923828"/>
+            <a:ext cx="1953933" cy="369332"/>
+          </a:xfrm>
+          <a:prstGeom prst="rect">
+            <a:avLst/>
+          </a:prstGeom>
+        </p:spPr>
+        <p:txBody>
+          <a:bodyPr wrap="none">
+            <a:spAutoFit/>
+          </a:bodyPr>
+          <a:lstStyle/>
+          <a:p>
+            <a:r>
+              <a:rPr lang="en-US" altLang="ja-JP" b="1" dirty="0"/>
+              <a:t>Ablation study</a:t>
+            </a:r>
+          </a:p>
+        </p:txBody>
+      </p:sp>
       <p:pic>
         <p:nvPicPr>
-          <p:cNvPr id="14" name="図 13">
+          <p:cNvPr id="3" name="図 2">
             <a:extLst>
               <a:ext uri="{FF2B5EF4-FFF2-40B4-BE49-F238E27FC236}">
-                <a16:creationId xmlns:a16="http://schemas.microsoft.com/office/drawing/2014/main" id="{2B58ED68-A498-4D71-A46C-136B02638166}"/>
+                <a16:creationId xmlns:a16="http://schemas.microsoft.com/office/drawing/2014/main" id="{BC6AE4D1-68DD-4946-871E-2618C77274AE}"/>
               </a:ext>
             </a:extLst>
           </p:cNvPr>
@@ -6905,8 +6943,8 @@
         </p:blipFill>
         <p:spPr>
           <a:xfrm>
-            <a:off x="1307468" y="2924944"/>
-            <a:ext cx="3324689" cy="819264"/>
+            <a:off x="3150901" y="1520788"/>
+            <a:ext cx="5887272" cy="4277322"/>
           </a:xfrm>
           <a:prstGeom prst="rect">
             <a:avLst/>
@@ -6916,7 +6954,912 @@
     </p:spTree>
     <p:extLst>
       <p:ext uri="{BB962C8B-B14F-4D97-AF65-F5344CB8AC3E}">
-        <p14:creationId xmlns:p14="http://schemas.microsoft.com/office/powerpoint/2010/main" val="769869118"/>
+        <p14:creationId xmlns:p14="http://schemas.microsoft.com/office/powerpoint/2010/main" val="4179053130"/>
+      </p:ext>
+    </p:extLst>
+  </p:cSld>
+  <p:clrMapOvr>
+    <a:masterClrMapping/>
+  </p:clrMapOvr>
+</p:sld>
+</file>
+
+<file path=ppt/slides/slide11.xml><?xml version="1.0" encoding="utf-8"?>
+<p:sld xmlns:a="http://schemas.openxmlformats.org/drawingml/2006/main" xmlns:r="http://schemas.openxmlformats.org/officeDocument/2006/relationships" xmlns:p="http://schemas.openxmlformats.org/presentationml/2006/main">
+  <p:cSld>
+    <p:spTree>
+      <p:nvGrpSpPr>
+        <p:cNvPr id="1" name=""/>
+        <p:cNvGrpSpPr/>
+        <p:nvPr/>
+      </p:nvGrpSpPr>
+      <p:grpSpPr>
+        <a:xfrm>
+          <a:off x="0" y="0"/>
+          <a:ext cx="0" cy="0"/>
+          <a:chOff x="0" y="0"/>
+          <a:chExt cx="0" cy="0"/>
+        </a:xfrm>
+      </p:grpSpPr>
+      <p:sp>
+        <p:nvSpPr>
+          <p:cNvPr id="4" name="タイトル 3"/>
+          <p:cNvSpPr>
+            <a:spLocks noGrp="1"/>
+          </p:cNvSpPr>
+          <p:nvPr>
+            <p:ph type="title"/>
+          </p:nvPr>
+        </p:nvSpPr>
+        <p:spPr/>
+        <p:txBody>
+          <a:bodyPr/>
+          <a:lstStyle/>
+          <a:p>
+            <a:pPr>
+              <a:lnSpc>
+                <a:spcPct val="130000"/>
+              </a:lnSpc>
+              <a:spcAft>
+                <a:spcPts val="1477"/>
+              </a:spcAft>
+            </a:pPr>
+            <a:r>
+              <a:rPr lang="en-US" altLang="ja-JP" sz="1800" b="1" dirty="0">
+                <a:latin typeface="+mn-ea"/>
+              </a:rPr>
+              <a:t>Deep Photon Mapping</a:t>
+            </a:r>
+          </a:p>
+        </p:txBody>
+      </p:sp>
+      <p:sp>
+        <p:nvSpPr>
+          <p:cNvPr id="2" name="スライド番号プレースホルダー 1"/>
+          <p:cNvSpPr>
+            <a:spLocks noGrp="1"/>
+          </p:cNvSpPr>
+          <p:nvPr>
+            <p:ph type="sldNum" sz="quarter" idx="4"/>
+          </p:nvPr>
+        </p:nvSpPr>
+        <p:spPr/>
+        <p:txBody>
+          <a:bodyPr/>
+          <a:lstStyle/>
+          <a:p>
+            <a:fld id="{FB3508C7-2FE0-4945-9CBD-863E05F850D2}" type="slidenum">
+              <a:rPr lang="ja-JP" altLang="en-US" smtClean="0"/>
+              <a:pPr/>
+              <a:t>10</a:t>
+            </a:fld>
+            <a:endParaRPr lang="ja-JP" altLang="en-US" dirty="0"/>
+          </a:p>
+        </p:txBody>
+      </p:sp>
+      <p:sp>
+        <p:nvSpPr>
+          <p:cNvPr id="15" name="AutoShape 3"/>
+          <p:cNvSpPr>
+            <a:spLocks noChangeArrowheads="1"/>
+          </p:cNvSpPr>
+          <p:nvPr/>
+        </p:nvSpPr>
+        <p:spPr bwMode="auto">
+          <a:xfrm>
+            <a:off x="997444" y="7183360"/>
+            <a:ext cx="10194186" cy="197105"/>
+          </a:xfrm>
+          <a:prstGeom prst="roundRect">
+            <a:avLst>
+              <a:gd name="adj" fmla="val 0"/>
+            </a:avLst>
+          </a:prstGeom>
+          <a:noFill/>
+          <a:ln>
+            <a:noFill/>
+          </a:ln>
+          <a:effectLst/>
+          <a:extLst>
+            <a:ext uri="{909E8E84-426E-40DD-AFC4-6F175D3DCCD1}">
+              <a14:hiddenFill xmlns:a14="http://schemas.microsoft.com/office/drawing/2010/main">
+                <a:solidFill>
+                  <a:schemeClr val="accent1"/>
+                </a:solidFill>
+              </a14:hiddenFill>
+            </a:ext>
+            <a:ext uri="{91240B29-F687-4F45-9708-019B960494DF}">
+              <a14:hiddenLine xmlns:a14="http://schemas.microsoft.com/office/drawing/2010/main" w="9525">
+                <a:solidFill>
+                  <a:schemeClr val="tx1"/>
+                </a:solidFill>
+                <a:round/>
+                <a:headEnd/>
+                <a:tailEnd/>
+              </a14:hiddenLine>
+            </a:ext>
+            <a:ext uri="{AF507438-7753-43E0-B8FC-AC1667EBCBE1}">
+              <a14:hiddenEffects xmlns:a14="http://schemas.microsoft.com/office/drawing/2010/main">
+                <a:effectLst>
+                  <a:outerShdw dist="35921" dir="2700000" algn="ctr" rotWithShape="0">
+                    <a:schemeClr val="bg2"/>
+                  </a:outerShdw>
+                </a:effectLst>
+              </a14:hiddenEffects>
+            </a:ext>
+          </a:extLst>
+        </p:spPr>
+        <p:txBody>
+          <a:bodyPr wrap="square" lIns="0" tIns="0" rIns="0" bIns="0" anchor="ctr" anchorCtr="0">
+            <a:spAutoFit/>
+          </a:bodyPr>
+          <a:lstStyle/>
+          <a:p>
+            <a:pPr algn="r">
+              <a:lnSpc>
+                <a:spcPct val="140000"/>
+              </a:lnSpc>
+              <a:spcBef>
+                <a:spcPct val="0"/>
+              </a:spcBef>
+            </a:pPr>
+            <a:r>
+              <a:rPr lang="ja-JP" altLang="en-US" sz="985" dirty="0">
+                <a:latin typeface="メイリオ" pitchFamily="50" charset="-128"/>
+                <a:ea typeface="メイリオ" pitchFamily="50" charset="-128"/>
+                <a:cs typeface="メイリオ" pitchFamily="50" charset="-128"/>
+              </a:rPr>
+              <a:t>　</a:t>
+            </a:r>
+            <a:endParaRPr lang="en-US" altLang="ja-JP" sz="985" dirty="0">
+              <a:latin typeface="メイリオ" pitchFamily="50" charset="-128"/>
+              <a:ea typeface="メイリオ" pitchFamily="50" charset="-128"/>
+              <a:cs typeface="メイリオ" pitchFamily="50" charset="-128"/>
+            </a:endParaRPr>
+          </a:p>
+        </p:txBody>
+      </p:sp>
+      <p:pic>
+        <p:nvPicPr>
+          <p:cNvPr id="5" name="図 4">
+            <a:extLst>
+              <a:ext uri="{FF2B5EF4-FFF2-40B4-BE49-F238E27FC236}">
+                <a16:creationId xmlns:a16="http://schemas.microsoft.com/office/drawing/2014/main" id="{04B490D1-2576-4D03-AD03-9AFF8C811B70}"/>
+              </a:ext>
+            </a:extLst>
+          </p:cNvPr>
+          <p:cNvPicPr>
+            <a:picLocks noChangeAspect="1"/>
+          </p:cNvPicPr>
+          <p:nvPr/>
+        </p:nvPicPr>
+        <p:blipFill>
+          <a:blip r:embed="rId2"/>
+          <a:stretch>
+            <a:fillRect/>
+          </a:stretch>
+        </p:blipFill>
+        <p:spPr>
+          <a:xfrm>
+            <a:off x="2315580" y="882655"/>
+            <a:ext cx="7087589" cy="5591955"/>
+          </a:xfrm>
+          <a:prstGeom prst="rect">
+            <a:avLst/>
+          </a:prstGeom>
+        </p:spPr>
+      </p:pic>
+    </p:spTree>
+    <p:extLst>
+      <p:ext uri="{BB962C8B-B14F-4D97-AF65-F5344CB8AC3E}">
+        <p14:creationId xmlns:p14="http://schemas.microsoft.com/office/powerpoint/2010/main" val="89333866"/>
+      </p:ext>
+    </p:extLst>
+  </p:cSld>
+  <p:clrMapOvr>
+    <a:masterClrMapping/>
+  </p:clrMapOvr>
+</p:sld>
+</file>
+
+<file path=ppt/slides/slide12.xml><?xml version="1.0" encoding="utf-8"?>
+<p:sld xmlns:a="http://schemas.openxmlformats.org/drawingml/2006/main" xmlns:r="http://schemas.openxmlformats.org/officeDocument/2006/relationships" xmlns:p="http://schemas.openxmlformats.org/presentationml/2006/main">
+  <p:cSld>
+    <p:spTree>
+      <p:nvGrpSpPr>
+        <p:cNvPr id="1" name=""/>
+        <p:cNvGrpSpPr/>
+        <p:nvPr/>
+      </p:nvGrpSpPr>
+      <p:grpSpPr>
+        <a:xfrm>
+          <a:off x="0" y="0"/>
+          <a:ext cx="0" cy="0"/>
+          <a:chOff x="0" y="0"/>
+          <a:chExt cx="0" cy="0"/>
+        </a:xfrm>
+      </p:grpSpPr>
+      <p:sp>
+        <p:nvSpPr>
+          <p:cNvPr id="4" name="タイトル 3"/>
+          <p:cNvSpPr>
+            <a:spLocks noGrp="1"/>
+          </p:cNvSpPr>
+          <p:nvPr>
+            <p:ph type="title"/>
+          </p:nvPr>
+        </p:nvSpPr>
+        <p:spPr/>
+        <p:txBody>
+          <a:bodyPr/>
+          <a:lstStyle/>
+          <a:p>
+            <a:pPr>
+              <a:lnSpc>
+                <a:spcPct val="130000"/>
+              </a:lnSpc>
+              <a:spcAft>
+                <a:spcPts val="1477"/>
+              </a:spcAft>
+            </a:pPr>
+            <a:r>
+              <a:rPr lang="en-US" altLang="ja-JP" sz="1800" b="1" dirty="0">
+                <a:latin typeface="+mn-ea"/>
+              </a:rPr>
+              <a:t>Deep Photon Mapping</a:t>
+            </a:r>
+          </a:p>
+        </p:txBody>
+      </p:sp>
+      <p:sp>
+        <p:nvSpPr>
+          <p:cNvPr id="2" name="スライド番号プレースホルダー 1"/>
+          <p:cNvSpPr>
+            <a:spLocks noGrp="1"/>
+          </p:cNvSpPr>
+          <p:nvPr>
+            <p:ph type="sldNum" sz="quarter" idx="4"/>
+          </p:nvPr>
+        </p:nvSpPr>
+        <p:spPr/>
+        <p:txBody>
+          <a:bodyPr/>
+          <a:lstStyle/>
+          <a:p>
+            <a:fld id="{FB3508C7-2FE0-4945-9CBD-863E05F850D2}" type="slidenum">
+              <a:rPr lang="ja-JP" altLang="en-US" smtClean="0"/>
+              <a:pPr/>
+              <a:t>11</a:t>
+            </a:fld>
+            <a:endParaRPr lang="ja-JP" altLang="en-US" dirty="0"/>
+          </a:p>
+        </p:txBody>
+      </p:sp>
+      <p:sp>
+        <p:nvSpPr>
+          <p:cNvPr id="15" name="AutoShape 3"/>
+          <p:cNvSpPr>
+            <a:spLocks noChangeArrowheads="1"/>
+          </p:cNvSpPr>
+          <p:nvPr/>
+        </p:nvSpPr>
+        <p:spPr bwMode="auto">
+          <a:xfrm>
+            <a:off x="997444" y="7183360"/>
+            <a:ext cx="10194186" cy="197105"/>
+          </a:xfrm>
+          <a:prstGeom prst="roundRect">
+            <a:avLst>
+              <a:gd name="adj" fmla="val 0"/>
+            </a:avLst>
+          </a:prstGeom>
+          <a:noFill/>
+          <a:ln>
+            <a:noFill/>
+          </a:ln>
+          <a:effectLst/>
+          <a:extLst>
+            <a:ext uri="{909E8E84-426E-40DD-AFC4-6F175D3DCCD1}">
+              <a14:hiddenFill xmlns:a14="http://schemas.microsoft.com/office/drawing/2010/main">
+                <a:solidFill>
+                  <a:schemeClr val="accent1"/>
+                </a:solidFill>
+              </a14:hiddenFill>
+            </a:ext>
+            <a:ext uri="{91240B29-F687-4F45-9708-019B960494DF}">
+              <a14:hiddenLine xmlns:a14="http://schemas.microsoft.com/office/drawing/2010/main" w="9525">
+                <a:solidFill>
+                  <a:schemeClr val="tx1"/>
+                </a:solidFill>
+                <a:round/>
+                <a:headEnd/>
+                <a:tailEnd/>
+              </a14:hiddenLine>
+            </a:ext>
+            <a:ext uri="{AF507438-7753-43E0-B8FC-AC1667EBCBE1}">
+              <a14:hiddenEffects xmlns:a14="http://schemas.microsoft.com/office/drawing/2010/main">
+                <a:effectLst>
+                  <a:outerShdw dist="35921" dir="2700000" algn="ctr" rotWithShape="0">
+                    <a:schemeClr val="bg2"/>
+                  </a:outerShdw>
+                </a:effectLst>
+              </a14:hiddenEffects>
+            </a:ext>
+          </a:extLst>
+        </p:spPr>
+        <p:txBody>
+          <a:bodyPr wrap="square" lIns="0" tIns="0" rIns="0" bIns="0" anchor="ctr" anchorCtr="0">
+            <a:spAutoFit/>
+          </a:bodyPr>
+          <a:lstStyle/>
+          <a:p>
+            <a:pPr algn="r">
+              <a:lnSpc>
+                <a:spcPct val="140000"/>
+              </a:lnSpc>
+              <a:spcBef>
+                <a:spcPct val="0"/>
+              </a:spcBef>
+            </a:pPr>
+            <a:r>
+              <a:rPr lang="ja-JP" altLang="en-US" sz="985" dirty="0">
+                <a:latin typeface="メイリオ" pitchFamily="50" charset="-128"/>
+                <a:ea typeface="メイリオ" pitchFamily="50" charset="-128"/>
+                <a:cs typeface="メイリオ" pitchFamily="50" charset="-128"/>
+              </a:rPr>
+              <a:t>　</a:t>
+            </a:r>
+            <a:endParaRPr lang="en-US" altLang="ja-JP" sz="985" dirty="0">
+              <a:latin typeface="メイリオ" pitchFamily="50" charset="-128"/>
+              <a:ea typeface="メイリオ" pitchFamily="50" charset="-128"/>
+              <a:cs typeface="メイリオ" pitchFamily="50" charset="-128"/>
+            </a:endParaRPr>
+          </a:p>
+        </p:txBody>
+      </p:sp>
+      <p:pic>
+        <p:nvPicPr>
+          <p:cNvPr id="6" name="図 5">
+            <a:extLst>
+              <a:ext uri="{FF2B5EF4-FFF2-40B4-BE49-F238E27FC236}">
+                <a16:creationId xmlns:a16="http://schemas.microsoft.com/office/drawing/2014/main" id="{90573928-DA47-4532-A182-9BF58A64C1DE}"/>
+              </a:ext>
+            </a:extLst>
+          </p:cNvPr>
+          <p:cNvPicPr>
+            <a:picLocks noChangeAspect="1"/>
+          </p:cNvPicPr>
+          <p:nvPr/>
+        </p:nvPicPr>
+        <p:blipFill>
+          <a:blip r:embed="rId2"/>
+          <a:stretch>
+            <a:fillRect/>
+          </a:stretch>
+        </p:blipFill>
+        <p:spPr>
+          <a:xfrm>
+            <a:off x="3211263" y="1119531"/>
+            <a:ext cx="5934903" cy="4877481"/>
+          </a:xfrm>
+          <a:prstGeom prst="rect">
+            <a:avLst/>
+          </a:prstGeom>
+        </p:spPr>
+      </p:pic>
+    </p:spTree>
+    <p:extLst>
+      <p:ext uri="{BB962C8B-B14F-4D97-AF65-F5344CB8AC3E}">
+        <p14:creationId xmlns:p14="http://schemas.microsoft.com/office/powerpoint/2010/main" val="504079956"/>
+      </p:ext>
+    </p:extLst>
+  </p:cSld>
+  <p:clrMapOvr>
+    <a:masterClrMapping/>
+  </p:clrMapOvr>
+</p:sld>
+</file>
+
+<file path=ppt/slides/slide13.xml><?xml version="1.0" encoding="utf-8"?>
+<p:sld xmlns:a="http://schemas.openxmlformats.org/drawingml/2006/main" xmlns:r="http://schemas.openxmlformats.org/officeDocument/2006/relationships" xmlns:p="http://schemas.openxmlformats.org/presentationml/2006/main">
+  <p:cSld>
+    <p:spTree>
+      <p:nvGrpSpPr>
+        <p:cNvPr id="1" name=""/>
+        <p:cNvGrpSpPr/>
+        <p:nvPr/>
+      </p:nvGrpSpPr>
+      <p:grpSpPr>
+        <a:xfrm>
+          <a:off x="0" y="0"/>
+          <a:ext cx="0" cy="0"/>
+          <a:chOff x="0" y="0"/>
+          <a:chExt cx="0" cy="0"/>
+        </a:xfrm>
+      </p:grpSpPr>
+      <p:sp>
+        <p:nvSpPr>
+          <p:cNvPr id="4" name="タイトル 3"/>
+          <p:cNvSpPr>
+            <a:spLocks noGrp="1"/>
+          </p:cNvSpPr>
+          <p:nvPr>
+            <p:ph type="title"/>
+          </p:nvPr>
+        </p:nvSpPr>
+        <p:spPr/>
+        <p:txBody>
+          <a:bodyPr/>
+          <a:lstStyle/>
+          <a:p>
+            <a:pPr>
+              <a:lnSpc>
+                <a:spcPct val="130000"/>
+              </a:lnSpc>
+              <a:spcAft>
+                <a:spcPts val="1477"/>
+              </a:spcAft>
+            </a:pPr>
+            <a:r>
+              <a:rPr lang="en-US" altLang="ja-JP" sz="1800" b="1" dirty="0">
+                <a:latin typeface="+mn-ea"/>
+              </a:rPr>
+              <a:t>Deep Photon Mapping</a:t>
+            </a:r>
+          </a:p>
+        </p:txBody>
+      </p:sp>
+      <p:sp>
+        <p:nvSpPr>
+          <p:cNvPr id="2" name="スライド番号プレースホルダー 1"/>
+          <p:cNvSpPr>
+            <a:spLocks noGrp="1"/>
+          </p:cNvSpPr>
+          <p:nvPr>
+            <p:ph type="sldNum" sz="quarter" idx="4"/>
+          </p:nvPr>
+        </p:nvSpPr>
+        <p:spPr/>
+        <p:txBody>
+          <a:bodyPr/>
+          <a:lstStyle/>
+          <a:p>
+            <a:fld id="{FB3508C7-2FE0-4945-9CBD-863E05F850D2}" type="slidenum">
+              <a:rPr lang="ja-JP" altLang="en-US" smtClean="0"/>
+              <a:pPr/>
+              <a:t>12</a:t>
+            </a:fld>
+            <a:endParaRPr lang="ja-JP" altLang="en-US" dirty="0"/>
+          </a:p>
+        </p:txBody>
+      </p:sp>
+      <p:sp>
+        <p:nvSpPr>
+          <p:cNvPr id="15" name="AutoShape 3"/>
+          <p:cNvSpPr>
+            <a:spLocks noChangeArrowheads="1"/>
+          </p:cNvSpPr>
+          <p:nvPr/>
+        </p:nvSpPr>
+        <p:spPr bwMode="auto">
+          <a:xfrm>
+            <a:off x="997444" y="7183360"/>
+            <a:ext cx="10194186" cy="197105"/>
+          </a:xfrm>
+          <a:prstGeom prst="roundRect">
+            <a:avLst>
+              <a:gd name="adj" fmla="val 0"/>
+            </a:avLst>
+          </a:prstGeom>
+          <a:noFill/>
+          <a:ln>
+            <a:noFill/>
+          </a:ln>
+          <a:effectLst/>
+          <a:extLst>
+            <a:ext uri="{909E8E84-426E-40DD-AFC4-6F175D3DCCD1}">
+              <a14:hiddenFill xmlns:a14="http://schemas.microsoft.com/office/drawing/2010/main">
+                <a:solidFill>
+                  <a:schemeClr val="accent1"/>
+                </a:solidFill>
+              </a14:hiddenFill>
+            </a:ext>
+            <a:ext uri="{91240B29-F687-4F45-9708-019B960494DF}">
+              <a14:hiddenLine xmlns:a14="http://schemas.microsoft.com/office/drawing/2010/main" w="9525">
+                <a:solidFill>
+                  <a:schemeClr val="tx1"/>
+                </a:solidFill>
+                <a:round/>
+                <a:headEnd/>
+                <a:tailEnd/>
+              </a14:hiddenLine>
+            </a:ext>
+            <a:ext uri="{AF507438-7753-43E0-B8FC-AC1667EBCBE1}">
+              <a14:hiddenEffects xmlns:a14="http://schemas.microsoft.com/office/drawing/2010/main">
+                <a:effectLst>
+                  <a:outerShdw dist="35921" dir="2700000" algn="ctr" rotWithShape="0">
+                    <a:schemeClr val="bg2"/>
+                  </a:outerShdw>
+                </a:effectLst>
+              </a14:hiddenEffects>
+            </a:ext>
+          </a:extLst>
+        </p:spPr>
+        <p:txBody>
+          <a:bodyPr wrap="square" lIns="0" tIns="0" rIns="0" bIns="0" anchor="ctr" anchorCtr="0">
+            <a:spAutoFit/>
+          </a:bodyPr>
+          <a:lstStyle/>
+          <a:p>
+            <a:pPr algn="r">
+              <a:lnSpc>
+                <a:spcPct val="140000"/>
+              </a:lnSpc>
+              <a:spcBef>
+                <a:spcPct val="0"/>
+              </a:spcBef>
+            </a:pPr>
+            <a:r>
+              <a:rPr lang="ja-JP" altLang="en-US" sz="985" dirty="0">
+                <a:latin typeface="メイリオ" pitchFamily="50" charset="-128"/>
+                <a:ea typeface="メイリオ" pitchFamily="50" charset="-128"/>
+                <a:cs typeface="メイリオ" pitchFamily="50" charset="-128"/>
+              </a:rPr>
+              <a:t>　</a:t>
+            </a:r>
+            <a:endParaRPr lang="en-US" altLang="ja-JP" sz="985" dirty="0">
+              <a:latin typeface="メイリオ" pitchFamily="50" charset="-128"/>
+              <a:ea typeface="メイリオ" pitchFamily="50" charset="-128"/>
+              <a:cs typeface="メイリオ" pitchFamily="50" charset="-128"/>
+            </a:endParaRPr>
+          </a:p>
+        </p:txBody>
+      </p:sp>
+      <p:pic>
+        <p:nvPicPr>
+          <p:cNvPr id="3" name="図 2">
+            <a:extLst>
+              <a:ext uri="{FF2B5EF4-FFF2-40B4-BE49-F238E27FC236}">
+                <a16:creationId xmlns:a16="http://schemas.microsoft.com/office/drawing/2014/main" id="{E8D4C685-1415-4553-86E4-DC5BCF9ED89A}"/>
+              </a:ext>
+            </a:extLst>
+          </p:cNvPr>
+          <p:cNvPicPr>
+            <a:picLocks noChangeAspect="1"/>
+          </p:cNvPicPr>
+          <p:nvPr/>
+        </p:nvPicPr>
+        <p:blipFill>
+          <a:blip r:embed="rId2"/>
+          <a:stretch>
+            <a:fillRect/>
+          </a:stretch>
+        </p:blipFill>
+        <p:spPr>
+          <a:xfrm>
+            <a:off x="1631504" y="705572"/>
+            <a:ext cx="9217024" cy="5537093"/>
+          </a:xfrm>
+          <a:prstGeom prst="rect">
+            <a:avLst/>
+          </a:prstGeom>
+        </p:spPr>
+      </p:pic>
+    </p:spTree>
+    <p:extLst>
+      <p:ext uri="{BB962C8B-B14F-4D97-AF65-F5344CB8AC3E}">
+        <p14:creationId xmlns:p14="http://schemas.microsoft.com/office/powerpoint/2010/main" val="2074835738"/>
+      </p:ext>
+    </p:extLst>
+  </p:cSld>
+  <p:clrMapOvr>
+    <a:masterClrMapping/>
+  </p:clrMapOvr>
+</p:sld>
+</file>
+
+<file path=ppt/slides/slide14.xml><?xml version="1.0" encoding="utf-8"?>
+<p:sld xmlns:a="http://schemas.openxmlformats.org/drawingml/2006/main" xmlns:r="http://schemas.openxmlformats.org/officeDocument/2006/relationships" xmlns:p="http://schemas.openxmlformats.org/presentationml/2006/main">
+  <p:cSld>
+    <p:spTree>
+      <p:nvGrpSpPr>
+        <p:cNvPr id="1" name=""/>
+        <p:cNvGrpSpPr/>
+        <p:nvPr/>
+      </p:nvGrpSpPr>
+      <p:grpSpPr>
+        <a:xfrm>
+          <a:off x="0" y="0"/>
+          <a:ext cx="0" cy="0"/>
+          <a:chOff x="0" y="0"/>
+          <a:chExt cx="0" cy="0"/>
+        </a:xfrm>
+      </p:grpSpPr>
+      <p:sp>
+        <p:nvSpPr>
+          <p:cNvPr id="4" name="タイトル 3"/>
+          <p:cNvSpPr>
+            <a:spLocks noGrp="1"/>
+          </p:cNvSpPr>
+          <p:nvPr>
+            <p:ph type="title"/>
+          </p:nvPr>
+        </p:nvSpPr>
+        <p:spPr/>
+        <p:txBody>
+          <a:bodyPr/>
+          <a:lstStyle/>
+          <a:p>
+            <a:pPr>
+              <a:lnSpc>
+                <a:spcPct val="130000"/>
+              </a:lnSpc>
+              <a:spcAft>
+                <a:spcPts val="1477"/>
+              </a:spcAft>
+            </a:pPr>
+            <a:r>
+              <a:rPr lang="en-US" altLang="ja-JP" sz="1800" b="1" dirty="0">
+                <a:latin typeface="+mn-ea"/>
+              </a:rPr>
+              <a:t>Deep Photon Mapping</a:t>
+            </a:r>
+          </a:p>
+        </p:txBody>
+      </p:sp>
+      <p:sp>
+        <p:nvSpPr>
+          <p:cNvPr id="2" name="スライド番号プレースホルダー 1"/>
+          <p:cNvSpPr>
+            <a:spLocks noGrp="1"/>
+          </p:cNvSpPr>
+          <p:nvPr>
+            <p:ph type="sldNum" sz="quarter" idx="4"/>
+          </p:nvPr>
+        </p:nvSpPr>
+        <p:spPr/>
+        <p:txBody>
+          <a:bodyPr/>
+          <a:lstStyle/>
+          <a:p>
+            <a:fld id="{FB3508C7-2FE0-4945-9CBD-863E05F850D2}" type="slidenum">
+              <a:rPr lang="ja-JP" altLang="en-US" smtClean="0"/>
+              <a:pPr/>
+              <a:t>13</a:t>
+            </a:fld>
+            <a:endParaRPr lang="ja-JP" altLang="en-US" dirty="0"/>
+          </a:p>
+        </p:txBody>
+      </p:sp>
+      <p:sp>
+        <p:nvSpPr>
+          <p:cNvPr id="15" name="AutoShape 3"/>
+          <p:cNvSpPr>
+            <a:spLocks noChangeArrowheads="1"/>
+          </p:cNvSpPr>
+          <p:nvPr/>
+        </p:nvSpPr>
+        <p:spPr bwMode="auto">
+          <a:xfrm>
+            <a:off x="997444" y="7183360"/>
+            <a:ext cx="10194186" cy="197105"/>
+          </a:xfrm>
+          <a:prstGeom prst="roundRect">
+            <a:avLst>
+              <a:gd name="adj" fmla="val 0"/>
+            </a:avLst>
+          </a:prstGeom>
+          <a:noFill/>
+          <a:ln>
+            <a:noFill/>
+          </a:ln>
+          <a:effectLst/>
+          <a:extLst>
+            <a:ext uri="{909E8E84-426E-40DD-AFC4-6F175D3DCCD1}">
+              <a14:hiddenFill xmlns:a14="http://schemas.microsoft.com/office/drawing/2010/main">
+                <a:solidFill>
+                  <a:schemeClr val="accent1"/>
+                </a:solidFill>
+              </a14:hiddenFill>
+            </a:ext>
+            <a:ext uri="{91240B29-F687-4F45-9708-019B960494DF}">
+              <a14:hiddenLine xmlns:a14="http://schemas.microsoft.com/office/drawing/2010/main" w="9525">
+                <a:solidFill>
+                  <a:schemeClr val="tx1"/>
+                </a:solidFill>
+                <a:round/>
+                <a:headEnd/>
+                <a:tailEnd/>
+              </a14:hiddenLine>
+            </a:ext>
+            <a:ext uri="{AF507438-7753-43E0-B8FC-AC1667EBCBE1}">
+              <a14:hiddenEffects xmlns:a14="http://schemas.microsoft.com/office/drawing/2010/main">
+                <a:effectLst>
+                  <a:outerShdw dist="35921" dir="2700000" algn="ctr" rotWithShape="0">
+                    <a:schemeClr val="bg2"/>
+                  </a:outerShdw>
+                </a:effectLst>
+              </a14:hiddenEffects>
+            </a:ext>
+          </a:extLst>
+        </p:spPr>
+        <p:txBody>
+          <a:bodyPr wrap="square" lIns="0" tIns="0" rIns="0" bIns="0" anchor="ctr" anchorCtr="0">
+            <a:spAutoFit/>
+          </a:bodyPr>
+          <a:lstStyle/>
+          <a:p>
+            <a:pPr algn="r">
+              <a:lnSpc>
+                <a:spcPct val="140000"/>
+              </a:lnSpc>
+              <a:spcBef>
+                <a:spcPct val="0"/>
+              </a:spcBef>
+            </a:pPr>
+            <a:r>
+              <a:rPr lang="ja-JP" altLang="en-US" sz="985" dirty="0">
+                <a:latin typeface="メイリオ" pitchFamily="50" charset="-128"/>
+                <a:ea typeface="メイリオ" pitchFamily="50" charset="-128"/>
+                <a:cs typeface="メイリオ" pitchFamily="50" charset="-128"/>
+              </a:rPr>
+              <a:t>　</a:t>
+            </a:r>
+            <a:endParaRPr lang="en-US" altLang="ja-JP" sz="985" dirty="0">
+              <a:latin typeface="メイリオ" pitchFamily="50" charset="-128"/>
+              <a:ea typeface="メイリオ" pitchFamily="50" charset="-128"/>
+              <a:cs typeface="メイリオ" pitchFamily="50" charset="-128"/>
+            </a:endParaRPr>
+          </a:p>
+        </p:txBody>
+      </p:sp>
+      <p:sp>
+        <p:nvSpPr>
+          <p:cNvPr id="3" name="正方形/長方形 2">
+            <a:extLst>
+              <a:ext uri="{FF2B5EF4-FFF2-40B4-BE49-F238E27FC236}">
+                <a16:creationId xmlns:a16="http://schemas.microsoft.com/office/drawing/2014/main" id="{E823CF6E-5A62-4A3C-8D6C-8A9600FD7145}"/>
+              </a:ext>
+            </a:extLst>
+          </p:cNvPr>
+          <p:cNvSpPr/>
+          <p:nvPr/>
+        </p:nvSpPr>
+        <p:spPr>
+          <a:xfrm>
+            <a:off x="1775520" y="3816982"/>
+            <a:ext cx="9145016" cy="1477328"/>
+          </a:xfrm>
+          <a:prstGeom prst="rect">
+            <a:avLst/>
+          </a:prstGeom>
+        </p:spPr>
+        <p:txBody>
+          <a:bodyPr wrap="square">
+            <a:spAutoFit/>
+          </a:bodyPr>
+          <a:lstStyle/>
+          <a:p>
+            <a:r>
+              <a:rPr lang="en-US" altLang="ja-JP" dirty="0"/>
+              <a:t>OURS</a:t>
+            </a:r>
+            <a:r>
+              <a:rPr lang="ja-JP" altLang="en-US" dirty="0"/>
+              <a:t>では帯域幅が大きいほうが良い精度。</a:t>
+            </a:r>
+            <a:endParaRPr lang="en-US" altLang="ja-JP" dirty="0"/>
+          </a:p>
+          <a:p>
+            <a:r>
+              <a:rPr lang="ja-JP" altLang="en-US" dirty="0"/>
+              <a:t>帯域幅は</a:t>
+            </a:r>
+            <a:r>
+              <a:rPr lang="en-US" altLang="ja-JP" dirty="0"/>
+              <a:t>K=50</a:t>
+            </a:r>
+            <a:r>
+              <a:rPr lang="ja-JP" altLang="en-US" dirty="0"/>
+              <a:t>で十分なときは多いが、</a:t>
+            </a:r>
+            <a:r>
+              <a:rPr lang="en-US" altLang="ja-JP" dirty="0"/>
+              <a:t>M</a:t>
+            </a:r>
+            <a:r>
+              <a:rPr lang="ja-JP" altLang="en-US" dirty="0"/>
+              <a:t>が大きいときにそこまで良くならない。</a:t>
+            </a:r>
+            <a:endParaRPr lang="en-US" altLang="ja-JP" dirty="0"/>
+          </a:p>
+          <a:p>
+            <a:endParaRPr lang="en-US" altLang="ja-JP" dirty="0"/>
+          </a:p>
+          <a:p>
+            <a:r>
+              <a:rPr lang="en-US" altLang="ja-JP" dirty="0"/>
+              <a:t>PM</a:t>
+            </a:r>
+            <a:r>
+              <a:rPr lang="ja-JP" altLang="en-US" dirty="0"/>
+              <a:t>の場合、小さな帯域幅では滑らかでない</a:t>
+            </a:r>
+            <a:r>
+              <a:rPr lang="en-US" altLang="ja-JP" dirty="0"/>
+              <a:t>artifact</a:t>
+            </a:r>
+            <a:r>
+              <a:rPr lang="ja-JP" altLang="en-US" dirty="0"/>
+              <a:t>が発生するか（図7.i）、大きな帯域幅では滑らかすぎる結果が出力される（図7.d）</a:t>
+            </a:r>
+          </a:p>
+        </p:txBody>
+      </p:sp>
+      <p:pic>
+        <p:nvPicPr>
+          <p:cNvPr id="7" name="図 6">
+            <a:extLst>
+              <a:ext uri="{FF2B5EF4-FFF2-40B4-BE49-F238E27FC236}">
+                <a16:creationId xmlns:a16="http://schemas.microsoft.com/office/drawing/2014/main" id="{D5EEE567-96E7-403A-B435-DC6D7F0E6B03}"/>
+              </a:ext>
+            </a:extLst>
+          </p:cNvPr>
+          <p:cNvPicPr>
+            <a:picLocks noChangeAspect="1"/>
+          </p:cNvPicPr>
+          <p:nvPr/>
+        </p:nvPicPr>
+        <p:blipFill rotWithShape="1">
+          <a:blip r:embed="rId2"/>
+          <a:srcRect b="55366"/>
+          <a:stretch/>
+        </p:blipFill>
+        <p:spPr>
+          <a:xfrm>
+            <a:off x="1631504" y="705573"/>
+            <a:ext cx="9217024" cy="2471400"/>
+          </a:xfrm>
+          <a:prstGeom prst="rect">
+            <a:avLst/>
+          </a:prstGeom>
+        </p:spPr>
+      </p:pic>
+      <p:sp>
+        <p:nvSpPr>
+          <p:cNvPr id="9" name="正方形/長方形 8">
+            <a:extLst>
+              <a:ext uri="{FF2B5EF4-FFF2-40B4-BE49-F238E27FC236}">
+                <a16:creationId xmlns:a16="http://schemas.microsoft.com/office/drawing/2014/main" id="{306C4A75-DFFC-4BDA-925B-A3A487797AEA}"/>
+              </a:ext>
+            </a:extLst>
+          </p:cNvPr>
+          <p:cNvSpPr/>
+          <p:nvPr/>
+        </p:nvSpPr>
+        <p:spPr>
+          <a:xfrm>
+            <a:off x="2332720" y="5294310"/>
+            <a:ext cx="8964996" cy="369332"/>
+          </a:xfrm>
+          <a:prstGeom prst="rect">
+            <a:avLst/>
+          </a:prstGeom>
+        </p:spPr>
+        <p:txBody>
+          <a:bodyPr wrap="square">
+            <a:spAutoFit/>
+          </a:bodyPr>
+          <a:lstStyle/>
+          <a:p>
+            <a:endParaRPr lang="ja-JP" altLang="en-US" dirty="0"/>
+          </a:p>
+        </p:txBody>
+      </p:sp>
+    </p:spTree>
+    <p:extLst>
+      <p:ext uri="{BB962C8B-B14F-4D97-AF65-F5344CB8AC3E}">
+        <p14:creationId xmlns:p14="http://schemas.microsoft.com/office/powerpoint/2010/main" val="1575855487"/>
       </p:ext>
     </p:extLst>
   </p:cSld>
@@ -7807,8 +8750,19 @@
             </a:r>
             <a:r>
               <a:rPr lang="ja-JP" altLang="en-US" sz="2000" dirty="0"/>
-              <a:t>）</a:t>
-            </a:r>
+              <a:t>）→特徴ベクトル→</a:t>
+            </a:r>
+            <a:r>
+              <a:rPr lang="en-US" altLang="ja-JP" sz="2000" dirty="0"/>
+              <a:t>Deep Context</a:t>
+            </a:r>
+            <a:r>
+              <a:rPr lang="ja-JP" altLang="en-US" sz="2000" dirty="0"/>
+              <a:t>ベクトル→カーネル</a:t>
+            </a:r>
+            <a:endParaRPr lang="en-US" altLang="ja-JP" sz="2000" dirty="0"/>
+          </a:p>
+          <a:p>
             <a:endParaRPr lang="en-US" altLang="ja-JP" sz="2000" dirty="0"/>
           </a:p>
           <a:p>
@@ -7825,18 +8779,11 @@
             </a:pPr>
             <a:r>
               <a:rPr lang="ja-JP" altLang="en-US" sz="2000" dirty="0"/>
-              <a:t>未寄与パスの減少</a:t>
-            </a:r>
-            <a:endParaRPr lang="en-US" altLang="ja-JP" sz="2000" dirty="0"/>
-          </a:p>
-          <a:p>
-            <a:pPr>
-              <a:buFontTx/>
-              <a:buChar char="-"/>
-            </a:pPr>
-            <a:r>
-              <a:rPr lang="ja-JP" altLang="en-US" sz="2000" dirty="0"/>
-              <a:t>効率的（低予算）かつ低分散</a:t>
+              <a:t>従来より早く</a:t>
+            </a:r>
+            <a:r>
+              <a:rPr lang="ja-JP" altLang="en-US" sz="2000"/>
+              <a:t>良い精度（後述）</a:t>
             </a:r>
             <a:endParaRPr lang="en-US" altLang="ja-JP" sz="2000" dirty="0"/>
           </a:p>
@@ -7860,42 +8807,9 @@
             </a:pPr>
             <a:r>
               <a:rPr lang="ja-JP" altLang="en-US" sz="2000" dirty="0"/>
-              <a:t>本論文では</a:t>
-            </a:r>
-            <a:r>
-              <a:rPr lang="en-US" altLang="ja-JP" sz="2000" dirty="0"/>
-              <a:t>2 bounce</a:t>
-            </a:r>
-            <a:r>
-              <a:rPr lang="ja-JP" altLang="en-US" sz="2000" dirty="0"/>
-              <a:t>パス</a:t>
+              <a:t>時間整合性</a:t>
             </a:r>
             <a:endParaRPr lang="en-US" altLang="ja-JP" sz="2000" dirty="0"/>
-          </a:p>
-          <a:p>
-            <a:pPr lvl="1">
-              <a:buFontTx/>
-              <a:buChar char="-"/>
-            </a:pPr>
-            <a:r>
-              <a:rPr lang="ja-JP" altLang="en-US" sz="1600" dirty="0"/>
-              <a:t>もっと</a:t>
-            </a:r>
-            <a:r>
-              <a:rPr lang="en-US" altLang="ja-JP" sz="1600" dirty="0"/>
-              <a:t>bounce</a:t>
-            </a:r>
-            <a:r>
-              <a:rPr lang="ja-JP" altLang="en-US" sz="1600" dirty="0"/>
-              <a:t>が必要な場合はノイズが入る</a:t>
-            </a:r>
-            <a:endParaRPr lang="en-US" altLang="ja-JP" sz="1600" dirty="0"/>
-          </a:p>
-          <a:p>
-            <a:pPr marL="457200" lvl="1" indent="0">
-              <a:buNone/>
-            </a:pPr>
-            <a:endParaRPr lang="en-US" altLang="ja-JP" sz="1600" dirty="0"/>
           </a:p>
           <a:p>
             <a:pPr>
@@ -7904,12 +8818,29 @@
             </a:pPr>
             <a:r>
               <a:rPr lang="en-US" altLang="ja-JP" sz="2000" dirty="0"/>
-              <a:t>K-d tree</a:t>
+              <a:t>PPM</a:t>
             </a:r>
             <a:r>
               <a:rPr lang="ja-JP" altLang="en-US" sz="2000" dirty="0"/>
-              <a:t>をもっと適した構造にできるかも？</a:t>
-            </a:r>
+              <a:t>への応用</a:t>
+            </a:r>
+            <a:endParaRPr lang="en-US" altLang="ja-JP" sz="2000" dirty="0"/>
+          </a:p>
+          <a:p>
+            <a:pPr>
+              <a:buFontTx/>
+              <a:buChar char="-"/>
+            </a:pPr>
+            <a:r>
+              <a:rPr lang="en-US" altLang="ja-JP" sz="2000" dirty="0"/>
+              <a:t>GANs</a:t>
+            </a:r>
+          </a:p>
+          <a:p>
+            <a:pPr>
+              <a:buFontTx/>
+              <a:buChar char="-"/>
+            </a:pPr>
             <a:endParaRPr lang="en-US" altLang="ja-JP" sz="2000" dirty="0"/>
           </a:p>
         </p:txBody>
@@ -8568,7 +9499,12 @@
             <p:ph type="title"/>
           </p:nvPr>
         </p:nvSpPr>
-        <p:spPr/>
+        <p:spPr>
+          <a:xfrm>
+            <a:off x="333897" y="161677"/>
+            <a:ext cx="11521280" cy="396044"/>
+          </a:xfrm>
+        </p:spPr>
         <p:txBody>
           <a:bodyPr/>
           <a:lstStyle/>
@@ -8606,11 +9542,11 @@
           <a:lstStyle/>
           <a:p>
             <a:fld id="{FB3508C7-2FE0-4945-9CBD-863E05F850D2}" type="slidenum">
-              <a:rPr lang="ja-JP" altLang="en-US" smtClean="0"/>
+              <a:rPr lang="ja-JP" altLang="en-US" b="0" smtClean="0"/>
               <a:pPr/>
               <a:t>5</a:t>
             </a:fld>
-            <a:endParaRPr lang="ja-JP" altLang="en-US" dirty="0"/>
+            <a:endParaRPr lang="ja-JP" altLang="en-US" b="0" dirty="0"/>
           </a:p>
         </p:txBody>
       </p:sp>
@@ -8718,7 +9654,7 @@
         </p:blipFill>
         <p:spPr>
           <a:xfrm>
-            <a:off x="803412" y="1628800"/>
+            <a:off x="3523622" y="1806258"/>
             <a:ext cx="3324689" cy="819264"/>
           </a:xfrm>
           <a:prstGeom prst="rect">
@@ -8740,8 +9676,8 @@
         </p:nvSpPr>
         <p:spPr>
           <a:xfrm>
-            <a:off x="1271464" y="1217078"/>
-            <a:ext cx="2270173" cy="369332"/>
+            <a:off x="1199456" y="2031224"/>
+            <a:ext cx="2140330" cy="369332"/>
           </a:xfrm>
           <a:prstGeom prst="rect">
             <a:avLst/>
@@ -8754,23 +9690,23 @@
           <a:lstStyle/>
           <a:p>
             <a:r>
-              <a:rPr lang="en-US" altLang="ja-JP" b="1" dirty="0"/>
+              <a:rPr lang="en-US" altLang="ja-JP" dirty="0"/>
               <a:t>HDR[0,</a:t>
             </a:r>
             <a:r>
-              <a:rPr lang="ja-JP" altLang="en-US" b="1" dirty="0"/>
+              <a:rPr lang="ja-JP" altLang="en-US" dirty="0"/>
               <a:t>∞</a:t>
             </a:r>
             <a:r>
-              <a:rPr lang="en-US" altLang="ja-JP" b="1" dirty="0"/>
+              <a:rPr lang="en-US" altLang="ja-JP" dirty="0"/>
               <a:t>]</a:t>
             </a:r>
             <a:r>
-              <a:rPr lang="ja-JP" altLang="en-US" b="1" dirty="0"/>
+              <a:rPr lang="ja-JP" altLang="en-US" dirty="0"/>
               <a:t>→</a:t>
             </a:r>
             <a:r>
-              <a:rPr lang="en-US" altLang="ja-JP" b="1" dirty="0"/>
+              <a:rPr lang="en-US" altLang="ja-JP" dirty="0"/>
               <a:t>[0,1]</a:t>
             </a:r>
           </a:p>
@@ -8790,7 +9726,7 @@
         </p:nvSpPr>
         <p:spPr>
           <a:xfrm>
-            <a:off x="1199456" y="2546996"/>
+            <a:off x="6848311" y="1916430"/>
             <a:ext cx="4068743" cy="369332"/>
           </a:xfrm>
           <a:prstGeom prst="rect">
@@ -8804,28 +9740,230 @@
           <a:lstStyle/>
           <a:p>
             <a:r>
-              <a:rPr lang="ja-JP" altLang="en-US" b="1" dirty="0"/>
-              <a:t>実際に</a:t>
-            </a:r>
-            <a:r>
-              <a:rPr lang="ja-JP" altLang="en-US" b="1"/>
-              <a:t>はさらに線形に</a:t>
-            </a:r>
-            <a:r>
-              <a:rPr lang="en-US" altLang="ja-JP" b="1"/>
-              <a:t>[0,1</a:t>
-            </a:r>
+              <a:rPr lang="ja-JP" altLang="en-US" dirty="0"/>
+              <a:t>実際にはさらに線形に</a:t>
+            </a:r>
+            <a:r>
+              <a:rPr lang="en-US" altLang="ja-JP" dirty="0"/>
+              <a:t>[0,1]</a:t>
+            </a:r>
+            <a:r>
+              <a:rPr lang="ja-JP" altLang="en-US" dirty="0"/>
+              <a:t>→</a:t>
+            </a:r>
+            <a:r>
+              <a:rPr lang="en-US" altLang="ja-JP" dirty="0"/>
+              <a:t>[-1,1]</a:t>
+            </a:r>
+          </a:p>
+        </p:txBody>
+      </p:sp>
+      <p:sp>
+        <p:nvSpPr>
+          <p:cNvPr id="20" name="正方形/長方形 19">
+            <a:extLst>
+              <a:ext uri="{FF2B5EF4-FFF2-40B4-BE49-F238E27FC236}">
+                <a16:creationId xmlns:a16="http://schemas.microsoft.com/office/drawing/2014/main" id="{129E794E-D122-4798-8288-F9031F484C01}"/>
+              </a:ext>
+            </a:extLst>
+          </p:cNvPr>
+          <p:cNvSpPr/>
+          <p:nvPr/>
+        </p:nvSpPr>
+        <p:spPr>
+          <a:xfrm>
+            <a:off x="1199456" y="3041128"/>
+            <a:ext cx="7109639" cy="646331"/>
+          </a:xfrm>
+          <a:prstGeom prst="rect">
+            <a:avLst/>
+          </a:prstGeom>
+        </p:spPr>
+        <p:txBody>
+          <a:bodyPr wrap="none">
+            <a:spAutoFit/>
+          </a:bodyPr>
+          <a:lstStyle/>
+          <a:p>
+            <a:r>
+              <a:rPr lang="en-US" altLang="ja-JP" dirty="0"/>
+              <a:t>photon positions xi </a:t>
+            </a:r>
+            <a:r>
+              <a:rPr lang="ja-JP" altLang="en-US" dirty="0"/>
+              <a:t>、</a:t>
+            </a:r>
+            <a:r>
+              <a:rPr lang="en-US" altLang="ja-JP" dirty="0"/>
+              <a:t> directions di</a:t>
+            </a:r>
+          </a:p>
+          <a:p>
+            <a:r>
+              <a:rPr lang="ja-JP" altLang="en-US" dirty="0"/>
+              <a:t>フォトンの位置における法線をもとに正規直交基底をランダム生成</a:t>
+            </a:r>
+            <a:endParaRPr lang="en-US" altLang="ja-JP" dirty="0"/>
+          </a:p>
+        </p:txBody>
+      </p:sp>
+      <p:sp>
+        <p:nvSpPr>
+          <p:cNvPr id="21" name="正方形/長方形 20">
+            <a:extLst>
+              <a:ext uri="{FF2B5EF4-FFF2-40B4-BE49-F238E27FC236}">
+                <a16:creationId xmlns:a16="http://schemas.microsoft.com/office/drawing/2014/main" id="{E3DE5483-B5CA-4F55-B216-700F7D1D3039}"/>
+              </a:ext>
+            </a:extLst>
+          </p:cNvPr>
+          <p:cNvSpPr/>
+          <p:nvPr/>
+        </p:nvSpPr>
+        <p:spPr>
+          <a:xfrm>
+            <a:off x="1199456" y="4062159"/>
+            <a:ext cx="8589211" cy="923330"/>
+          </a:xfrm>
+          <a:prstGeom prst="rect">
+            <a:avLst/>
+          </a:prstGeom>
+        </p:spPr>
+        <p:txBody>
+          <a:bodyPr wrap="none">
+            <a:spAutoFit/>
+          </a:bodyPr>
+          <a:lstStyle/>
+          <a:p>
+            <a:r>
+              <a:rPr lang="en-US" altLang="ja-JP" dirty="0"/>
+              <a:t>r</a:t>
+            </a:r>
+            <a:r>
+              <a:rPr lang="ja-JP" altLang="en-US" dirty="0"/>
+              <a:t>は</a:t>
+            </a:r>
+            <a:r>
+              <a:rPr lang="en-US" altLang="ja-JP" dirty="0"/>
+              <a:t>K</a:t>
+            </a:r>
+            <a:r>
+              <a:rPr lang="ja-JP" altLang="en-US" dirty="0"/>
+              <a:t>個の近傍粒子を含む半径</a:t>
+            </a:r>
+            <a:endParaRPr lang="en-US" altLang="ja-JP" dirty="0"/>
+          </a:p>
+          <a:p>
+            <a:r>
+              <a:rPr lang="ja-JP" altLang="en-US" dirty="0"/>
+              <a:t>帯域幅が広いので</a:t>
+            </a:r>
+            <a:r>
+              <a:rPr lang="en-US" altLang="ja-JP" dirty="0"/>
+              <a:t>1/r</a:t>
+            </a:r>
+            <a:r>
+              <a:rPr lang="ja-JP" altLang="en-US" dirty="0"/>
+              <a:t>で正規化し、密度推定で</a:t>
+            </a:r>
+            <a:r>
+              <a:rPr lang="en-US" altLang="ja-JP" dirty="0"/>
+              <a:t>1/r^2</a:t>
+            </a:r>
+            <a:r>
+              <a:rPr lang="ja-JP" altLang="en-US" dirty="0"/>
+              <a:t>でスケール（</a:t>
+            </a:r>
+            <a:r>
+              <a:rPr lang="en-US" altLang="ja-JP" dirty="0"/>
+              <a:t>DNN</a:t>
+            </a:r>
+            <a:r>
+              <a:rPr lang="ja-JP" altLang="en-US" dirty="0"/>
+              <a:t>のため）</a:t>
+            </a:r>
+            <a:endParaRPr lang="en-US" altLang="ja-JP" dirty="0"/>
+          </a:p>
+          <a:p>
+            <a:r>
+              <a:rPr lang="ja-JP" altLang="en-US" dirty="0"/>
+              <a:t>→同じ</a:t>
+            </a:r>
+            <a:r>
+              <a:rPr lang="en-US" altLang="ja-JP" dirty="0"/>
+              <a:t>K</a:t>
+            </a:r>
+            <a:r>
+              <a:rPr lang="ja-JP" altLang="en-US" dirty="0"/>
+              <a:t>に対して帯域幅、粒子数、光子分布によらない</a:t>
+            </a:r>
+            <a:endParaRPr lang="en-US" altLang="ja-JP" dirty="0"/>
+          </a:p>
+        </p:txBody>
+      </p:sp>
+      <p:sp>
+        <p:nvSpPr>
+          <p:cNvPr id="3" name="正方形/長方形 2">
+            <a:extLst>
+              <a:ext uri="{FF2B5EF4-FFF2-40B4-BE49-F238E27FC236}">
+                <a16:creationId xmlns:a16="http://schemas.microsoft.com/office/drawing/2014/main" id="{8191F332-DE2E-45E8-AA33-9A0F09EA2D55}"/>
+              </a:ext>
+            </a:extLst>
+          </p:cNvPr>
+          <p:cNvSpPr/>
+          <p:nvPr/>
+        </p:nvSpPr>
+        <p:spPr>
+          <a:xfrm>
+            <a:off x="1199456" y="5350020"/>
+            <a:ext cx="4996752" cy="369332"/>
+          </a:xfrm>
+          <a:prstGeom prst="rect">
+            <a:avLst/>
+          </a:prstGeom>
+        </p:spPr>
+        <p:txBody>
+          <a:bodyPr wrap="none">
+            <a:spAutoFit/>
+          </a:bodyPr>
+          <a:lstStyle/>
+          <a:p>
+            <a:r>
+              <a:rPr lang="ja-JP" altLang="en-US" dirty="0"/>
+              <a:t>translation-, rotation-, and scale- invariant</a:t>
+            </a:r>
+          </a:p>
+        </p:txBody>
+      </p:sp>
+      <p:sp>
+        <p:nvSpPr>
+          <p:cNvPr id="23" name="正方形/長方形 22">
+            <a:extLst>
+              <a:ext uri="{FF2B5EF4-FFF2-40B4-BE49-F238E27FC236}">
+                <a16:creationId xmlns:a16="http://schemas.microsoft.com/office/drawing/2014/main" id="{3CAC0F2D-F692-490C-AD0D-62BDC9BE267E}"/>
+              </a:ext>
+            </a:extLst>
+          </p:cNvPr>
+          <p:cNvSpPr/>
+          <p:nvPr/>
+        </p:nvSpPr>
+        <p:spPr>
+          <a:xfrm>
+            <a:off x="1199456" y="1176446"/>
+            <a:ext cx="1611147" cy="369332"/>
+          </a:xfrm>
+          <a:prstGeom prst="rect">
+            <a:avLst/>
+          </a:prstGeom>
+        </p:spPr>
+        <p:txBody>
+          <a:bodyPr wrap="none">
+            <a:spAutoFit/>
+          </a:bodyPr>
+          <a:lstStyle/>
+          <a:p>
             <a:r>
               <a:rPr lang="en-US" altLang="ja-JP" b="1" dirty="0"/>
-              <a:t>]</a:t>
-            </a:r>
-            <a:r>
-              <a:rPr lang="ja-JP" altLang="en-US" b="1" dirty="0"/>
-              <a:t>→</a:t>
-            </a:r>
-            <a:r>
-              <a:rPr lang="en-US" altLang="ja-JP" b="1" dirty="0"/>
-              <a:t>[-1,1]</a:t>
+              <a:t>Pre Process</a:t>
             </a:r>
           </a:p>
         </p:txBody>
@@ -8998,36 +10136,238 @@
           </a:p>
         </p:txBody>
       </p:sp>
-      <p:pic>
-        <p:nvPicPr>
-          <p:cNvPr id="14" name="図 13">
+      <p:sp>
+        <p:nvSpPr>
+          <p:cNvPr id="6" name="正方形/長方形 5">
             <a:extLst>
               <a:ext uri="{FF2B5EF4-FFF2-40B4-BE49-F238E27FC236}">
-                <a16:creationId xmlns:a16="http://schemas.microsoft.com/office/drawing/2014/main" id="{2B58ED68-A498-4D71-A46C-136B02638166}"/>
+                <a16:creationId xmlns:a16="http://schemas.microsoft.com/office/drawing/2014/main" id="{DCA19A87-5ACA-4D53-9BA9-83AE2B7A918F}"/>
               </a:ext>
             </a:extLst>
           </p:cNvPr>
-          <p:cNvPicPr>
-            <a:picLocks noChangeAspect="1"/>
-          </p:cNvPicPr>
+          <p:cNvSpPr/>
           <p:nvPr/>
-        </p:nvPicPr>
-        <p:blipFill>
-          <a:blip r:embed="rId2"/>
-          <a:stretch>
-            <a:fillRect/>
-          </a:stretch>
-        </p:blipFill>
+        </p:nvSpPr>
         <p:spPr>
           <a:xfrm>
-            <a:off x="1307468" y="2924944"/>
-            <a:ext cx="3324689" cy="819264"/>
+            <a:off x="1281496" y="2256581"/>
+            <a:ext cx="5523563" cy="646331"/>
           </a:xfrm>
           <a:prstGeom prst="rect">
             <a:avLst/>
           </a:prstGeom>
         </p:spPr>
-      </p:pic>
+        <p:txBody>
+          <a:bodyPr wrap="none">
+            <a:spAutoFit/>
+          </a:bodyPr>
+          <a:lstStyle/>
+          <a:p>
+            <a:r>
+              <a:rPr lang="en-US" altLang="ja-JP" dirty="0" err="1"/>
+              <a:t>PointNet</a:t>
+            </a:r>
+            <a:r>
+              <a:rPr lang="ja-JP" altLang="en-US" dirty="0"/>
+              <a:t>スタイルのニューラルネットワークを採用</a:t>
+            </a:r>
+            <a:endParaRPr lang="en-US" altLang="ja-JP" dirty="0"/>
+          </a:p>
+          <a:p>
+            <a:r>
+              <a:rPr lang="ja-JP" altLang="en-US" dirty="0"/>
+              <a:t>任意数入力、入力組み合わせに不変</a:t>
+            </a:r>
+            <a:endParaRPr lang="en-US" altLang="ja-JP" dirty="0"/>
+          </a:p>
+        </p:txBody>
+      </p:sp>
+      <p:sp>
+        <p:nvSpPr>
+          <p:cNvPr id="8" name="正方形/長方形 7">
+            <a:extLst>
+              <a:ext uri="{FF2B5EF4-FFF2-40B4-BE49-F238E27FC236}">
+                <a16:creationId xmlns:a16="http://schemas.microsoft.com/office/drawing/2014/main" id="{C6295678-F0FB-45C1-BCB5-D0C4CEF7862D}"/>
+              </a:ext>
+            </a:extLst>
+          </p:cNvPr>
+          <p:cNvSpPr/>
+          <p:nvPr/>
+        </p:nvSpPr>
+        <p:spPr>
+          <a:xfrm>
+            <a:off x="1286764" y="1512101"/>
+            <a:ext cx="4953600" cy="646331"/>
+          </a:xfrm>
+          <a:prstGeom prst="rect">
+            <a:avLst/>
+          </a:prstGeom>
+        </p:spPr>
+        <p:txBody>
+          <a:bodyPr wrap="none">
+            <a:spAutoFit/>
+          </a:bodyPr>
+          <a:lstStyle/>
+          <a:p>
+            <a:r>
+              <a:rPr lang="ja-JP" altLang="en-US" dirty="0"/>
+              <a:t>入力は単位球の特徴を持つ点</a:t>
+            </a:r>
+            <a:endParaRPr lang="en-US" altLang="ja-JP" dirty="0"/>
+          </a:p>
+          <a:p>
+            <a:r>
+              <a:rPr lang="en-US" altLang="ja-JP" dirty="0"/>
+              <a:t>K</a:t>
+            </a:r>
+            <a:r>
+              <a:rPr lang="ja-JP" altLang="en-US" dirty="0"/>
+              <a:t>は固定されておらず、順序付けもなされない</a:t>
+            </a:r>
+            <a:endParaRPr lang="en-US" altLang="ja-JP" dirty="0"/>
+          </a:p>
+        </p:txBody>
+      </p:sp>
+      <p:sp>
+        <p:nvSpPr>
+          <p:cNvPr id="10" name="正方形/長方形 9">
+            <a:extLst>
+              <a:ext uri="{FF2B5EF4-FFF2-40B4-BE49-F238E27FC236}">
+                <a16:creationId xmlns:a16="http://schemas.microsoft.com/office/drawing/2014/main" id="{8BD077CC-C65F-44AB-85E1-69A92BE9CCCD}"/>
+              </a:ext>
+            </a:extLst>
+          </p:cNvPr>
+          <p:cNvSpPr/>
+          <p:nvPr/>
+        </p:nvSpPr>
+        <p:spPr>
+          <a:xfrm>
+            <a:off x="1281496" y="3318151"/>
+            <a:ext cx="6984776" cy="2585323"/>
+          </a:xfrm>
+          <a:prstGeom prst="rect">
+            <a:avLst/>
+          </a:prstGeom>
+        </p:spPr>
+        <p:txBody>
+          <a:bodyPr wrap="square">
+            <a:spAutoFit/>
+          </a:bodyPr>
+          <a:lstStyle/>
+          <a:p>
+            <a:r>
+              <a:rPr lang="ja-JP" altLang="en-US" dirty="0"/>
+              <a:t>各光子</a:t>
+            </a:r>
+            <a:endParaRPr lang="en-US" altLang="ja-JP" dirty="0"/>
+          </a:p>
+          <a:p>
+            <a:r>
+              <a:rPr lang="ja-JP" altLang="en-US" dirty="0"/>
+              <a:t>9 channels入力（positions, directions and contributions）</a:t>
+            </a:r>
+            <a:endParaRPr lang="en-US" altLang="ja-JP" dirty="0"/>
+          </a:p>
+          <a:p>
+            <a:r>
+              <a:rPr lang="ja-JP" altLang="en-US" dirty="0"/>
+              <a:t>→</a:t>
+            </a:r>
+            <a:r>
+              <a:rPr lang="en-US" altLang="ja-JP" dirty="0"/>
+              <a:t>32</a:t>
+            </a:r>
+            <a:r>
+              <a:rPr lang="ja-JP" altLang="en-US" dirty="0"/>
+              <a:t> channels特徴ベクトル</a:t>
+            </a:r>
+            <a:endParaRPr lang="en-US" altLang="ja-JP" dirty="0"/>
+          </a:p>
+          <a:p>
+            <a:endParaRPr lang="en-US" altLang="ja-JP" dirty="0"/>
+          </a:p>
+          <a:p>
+            <a:r>
+              <a:rPr lang="ja-JP" altLang="en-US" dirty="0"/>
+              <a:t>光子間</a:t>
+            </a:r>
+            <a:endParaRPr lang="en-US" altLang="ja-JP" dirty="0"/>
+          </a:p>
+          <a:p>
+            <a:r>
+              <a:rPr lang="en-US" altLang="ja-JP" dirty="0"/>
+              <a:t>Max-</a:t>
+            </a:r>
+            <a:r>
+              <a:rPr lang="en-US" altLang="ja-JP" dirty="0" err="1"/>
+              <a:t>Pooling,Avg</a:t>
+            </a:r>
+            <a:r>
+              <a:rPr lang="en-US" altLang="ja-JP" dirty="0"/>
+              <a:t>-Pooling </a:t>
+            </a:r>
+            <a:r>
+              <a:rPr lang="ja-JP" altLang="en-US" dirty="0"/>
+              <a:t>→ </a:t>
+            </a:r>
+            <a:r>
+              <a:rPr lang="en-US" altLang="ja-JP" dirty="0"/>
+              <a:t>Deep Context Vector</a:t>
+            </a:r>
+          </a:p>
+          <a:p>
+            <a:endParaRPr lang="en-US" altLang="ja-JP" dirty="0"/>
+          </a:p>
+          <a:p>
+            <a:r>
+              <a:rPr lang="ja-JP" altLang="en-US" dirty="0"/>
+              <a:t>出力</a:t>
+            </a:r>
+            <a:endParaRPr lang="en-US" altLang="ja-JP" dirty="0"/>
+          </a:p>
+          <a:p>
+            <a:r>
+              <a:rPr lang="ja-JP" altLang="en-US" dirty="0"/>
+              <a:t>コンテクスト＋各光子の特徴→カーネル重み</a:t>
+            </a:r>
+            <a:endParaRPr lang="en-US" altLang="ja-JP" dirty="0"/>
+          </a:p>
+        </p:txBody>
+      </p:sp>
+      <p:sp>
+        <p:nvSpPr>
+          <p:cNvPr id="11" name="正方形/長方形 10">
+            <a:extLst>
+              <a:ext uri="{FF2B5EF4-FFF2-40B4-BE49-F238E27FC236}">
+                <a16:creationId xmlns:a16="http://schemas.microsoft.com/office/drawing/2014/main" id="{4072D5E7-FD42-47B5-B380-3110C365D02D}"/>
+              </a:ext>
+            </a:extLst>
+          </p:cNvPr>
+          <p:cNvSpPr/>
+          <p:nvPr/>
+        </p:nvSpPr>
+        <p:spPr>
+          <a:xfrm>
+            <a:off x="1281496" y="923828"/>
+            <a:ext cx="1223412" cy="369332"/>
+          </a:xfrm>
+          <a:prstGeom prst="rect">
+            <a:avLst/>
+          </a:prstGeom>
+        </p:spPr>
+        <p:txBody>
+          <a:bodyPr wrap="none">
+            <a:spAutoFit/>
+          </a:bodyPr>
+          <a:lstStyle/>
+          <a:p>
+            <a:r>
+              <a:rPr lang="en-US" altLang="ja-JP" b="1" dirty="0"/>
+              <a:t>Network</a:t>
+            </a:r>
+          </a:p>
+        </p:txBody>
+      </p:sp>
     </p:spTree>
     <p:extLst>
       <p:ext uri="{BB962C8B-B14F-4D97-AF65-F5344CB8AC3E}">
@@ -9196,12 +10536,47 @@
           </a:p>
         </p:txBody>
       </p:sp>
+      <p:sp>
+        <p:nvSpPr>
+          <p:cNvPr id="11" name="正方形/長方形 10">
+            <a:extLst>
+              <a:ext uri="{FF2B5EF4-FFF2-40B4-BE49-F238E27FC236}">
+                <a16:creationId xmlns:a16="http://schemas.microsoft.com/office/drawing/2014/main" id="{4072D5E7-FD42-47B5-B380-3110C365D02D}"/>
+              </a:ext>
+            </a:extLst>
+          </p:cNvPr>
+          <p:cNvSpPr/>
+          <p:nvPr/>
+        </p:nvSpPr>
+        <p:spPr>
+          <a:xfrm>
+            <a:off x="1281496" y="923828"/>
+            <a:ext cx="646331" cy="369332"/>
+          </a:xfrm>
+          <a:prstGeom prst="rect">
+            <a:avLst/>
+          </a:prstGeom>
+        </p:spPr>
+        <p:txBody>
+          <a:bodyPr wrap="none">
+            <a:spAutoFit/>
+          </a:bodyPr>
+          <a:lstStyle/>
+          <a:p>
+            <a:r>
+              <a:rPr lang="ja-JP" altLang="en-US" b="1" dirty="0"/>
+              <a:t>学習</a:t>
+            </a:r>
+            <a:endParaRPr lang="en-US" altLang="ja-JP" b="1" dirty="0"/>
+          </a:p>
+        </p:txBody>
+      </p:sp>
       <p:pic>
         <p:nvPicPr>
-          <p:cNvPr id="14" name="図 13">
+          <p:cNvPr id="3" name="図 2">
             <a:extLst>
               <a:ext uri="{FF2B5EF4-FFF2-40B4-BE49-F238E27FC236}">
-                <a16:creationId xmlns:a16="http://schemas.microsoft.com/office/drawing/2014/main" id="{2B58ED68-A498-4D71-A46C-136B02638166}"/>
+                <a16:creationId xmlns:a16="http://schemas.microsoft.com/office/drawing/2014/main" id="{29F49911-542A-473B-8C4D-98A1551CBCDD}"/>
               </a:ext>
             </a:extLst>
           </p:cNvPr>
@@ -9218,18 +10593,176 @@
         </p:blipFill>
         <p:spPr>
           <a:xfrm>
-            <a:off x="1307468" y="2924944"/>
-            <a:ext cx="3324689" cy="819264"/>
+            <a:off x="2459596" y="721876"/>
+            <a:ext cx="7344800" cy="2553056"/>
           </a:xfrm>
           <a:prstGeom prst="rect">
             <a:avLst/>
           </a:prstGeom>
         </p:spPr>
       </p:pic>
+      <p:sp>
+        <p:nvSpPr>
+          <p:cNvPr id="12" name="正方形/長方形 11">
+            <a:extLst>
+              <a:ext uri="{FF2B5EF4-FFF2-40B4-BE49-F238E27FC236}">
+                <a16:creationId xmlns:a16="http://schemas.microsoft.com/office/drawing/2014/main" id="{C49A1606-ACB8-4EBB-B451-E076FDB655FF}"/>
+              </a:ext>
+            </a:extLst>
+          </p:cNvPr>
+          <p:cNvSpPr/>
+          <p:nvPr/>
+        </p:nvSpPr>
+        <p:spPr>
+          <a:xfrm>
+            <a:off x="1487488" y="3868928"/>
+            <a:ext cx="8172908" cy="923330"/>
+          </a:xfrm>
+          <a:prstGeom prst="rect">
+            <a:avLst/>
+          </a:prstGeom>
+        </p:spPr>
+        <p:txBody>
+          <a:bodyPr wrap="square">
+            <a:spAutoFit/>
+          </a:bodyPr>
+          <a:lstStyle/>
+          <a:p>
+            <a:r>
+              <a:rPr lang="en-US" altLang="ja-JP" dirty="0"/>
+              <a:t>BOX</a:t>
+            </a:r>
+            <a:r>
+              <a:rPr lang="ja-JP" altLang="en-US" dirty="0"/>
+              <a:t>の中で複数の面光源、</a:t>
+            </a:r>
+            <a:r>
+              <a:rPr lang="en-US" altLang="ja-JP" dirty="0"/>
+              <a:t>Shape</a:t>
+            </a:r>
+            <a:r>
+              <a:rPr lang="ja-JP" altLang="en-US" dirty="0"/>
+              <a:t>（</a:t>
+            </a:r>
+            <a:r>
+              <a:rPr lang="en-US" altLang="ja-JP" dirty="0"/>
+              <a:t>16</a:t>
+            </a:r>
+            <a:r>
+              <a:rPr lang="ja-JP" altLang="en-US" dirty="0"/>
+              <a:t>種）をランダムサイズ、ランダムな</a:t>
+            </a:r>
+            <a:r>
+              <a:rPr lang="en-US" altLang="ja-JP" dirty="0" err="1"/>
+              <a:t>BumpMap</a:t>
+            </a:r>
+            <a:r>
+              <a:rPr lang="ja-JP" altLang="en-US" dirty="0"/>
+              <a:t>をもとにだいたい格子状に配置</a:t>
+            </a:r>
+            <a:endParaRPr lang="en-US" altLang="ja-JP" dirty="0"/>
+          </a:p>
+          <a:p>
+            <a:r>
+              <a:rPr lang="ja-JP" altLang="en-US" dirty="0"/>
+              <a:t>オブジェクトには</a:t>
+            </a:r>
+            <a:r>
+              <a:rPr lang="en-US" altLang="ja-JP" dirty="0" err="1"/>
+              <a:t>Specular,Diffuse</a:t>
+            </a:r>
+            <a:r>
+              <a:rPr lang="ja-JP" altLang="en-US" dirty="0"/>
+              <a:t>をランダム割当</a:t>
+            </a:r>
+            <a:endParaRPr lang="en-US" altLang="ja-JP" dirty="0"/>
+          </a:p>
+        </p:txBody>
+      </p:sp>
+      <p:sp>
+        <p:nvSpPr>
+          <p:cNvPr id="13" name="正方形/長方形 12">
+            <a:extLst>
+              <a:ext uri="{FF2B5EF4-FFF2-40B4-BE49-F238E27FC236}">
+                <a16:creationId xmlns:a16="http://schemas.microsoft.com/office/drawing/2014/main" id="{0F07D48A-8709-43DE-B580-6EAA956F2152}"/>
+              </a:ext>
+            </a:extLst>
+          </p:cNvPr>
+          <p:cNvSpPr/>
+          <p:nvPr/>
+        </p:nvSpPr>
+        <p:spPr>
+          <a:xfrm>
+            <a:off x="1487488" y="5472507"/>
+            <a:ext cx="8172908" cy="646331"/>
+          </a:xfrm>
+          <a:prstGeom prst="rect">
+            <a:avLst/>
+          </a:prstGeom>
+        </p:spPr>
+        <p:txBody>
+          <a:bodyPr wrap="square">
+            <a:spAutoFit/>
+          </a:bodyPr>
+          <a:lstStyle/>
+          <a:p>
+            <a:r>
+              <a:rPr lang="en-US" altLang="ja-JP" dirty="0"/>
+              <a:t>512x512</a:t>
+            </a:r>
+            <a:r>
+              <a:rPr lang="ja-JP" altLang="en-US" dirty="0"/>
+              <a:t>画像、</a:t>
+            </a:r>
+            <a:r>
+              <a:rPr lang="en-US" altLang="ja-JP" dirty="0"/>
+              <a:t>10</a:t>
+            </a:r>
+            <a:r>
+              <a:rPr lang="ja-JP" altLang="en-US" dirty="0"/>
+              <a:t>億フォトンの</a:t>
+            </a:r>
+            <a:r>
+              <a:rPr lang="en-US" altLang="ja-JP" dirty="0"/>
+              <a:t>PPM</a:t>
+            </a:r>
+            <a:r>
+              <a:rPr lang="ja-JP" altLang="en-US" dirty="0"/>
+              <a:t>得られたフォトン密度を</a:t>
+            </a:r>
+            <a:r>
+              <a:rPr lang="en-US" altLang="ja-JP" dirty="0"/>
+              <a:t>GT</a:t>
+            </a:r>
+          </a:p>
+          <a:p>
+            <a:r>
+              <a:rPr lang="en-US" altLang="ja-JP" dirty="0"/>
+              <a:t>Position,</a:t>
+            </a:r>
+            <a:r>
+              <a:rPr lang="ja-JP" altLang="en-US" dirty="0"/>
+              <a:t> </a:t>
+            </a:r>
+            <a:r>
+              <a:rPr lang="en-US" altLang="ja-JP" dirty="0"/>
+              <a:t>Normal,</a:t>
+            </a:r>
+            <a:r>
+              <a:rPr lang="ja-JP" altLang="en-US" dirty="0"/>
+              <a:t> </a:t>
+            </a:r>
+            <a:r>
+              <a:rPr lang="en-US" altLang="ja-JP" dirty="0"/>
+              <a:t>BRDF</a:t>
+            </a:r>
+          </a:p>
+        </p:txBody>
+      </p:sp>
     </p:spTree>
     <p:extLst>
       <p:ext uri="{BB962C8B-B14F-4D97-AF65-F5344CB8AC3E}">
-        <p14:creationId xmlns:p14="http://schemas.microsoft.com/office/powerpoint/2010/main" val="1620466387"/>
+        <p14:creationId xmlns:p14="http://schemas.microsoft.com/office/powerpoint/2010/main" val="4260438409"/>
       </p:ext>
     </p:extLst>
   </p:cSld>
@@ -9394,12 +10927,47 @@
           </a:p>
         </p:txBody>
       </p:sp>
+      <p:sp>
+        <p:nvSpPr>
+          <p:cNvPr id="11" name="正方形/長方形 10">
+            <a:extLst>
+              <a:ext uri="{FF2B5EF4-FFF2-40B4-BE49-F238E27FC236}">
+                <a16:creationId xmlns:a16="http://schemas.microsoft.com/office/drawing/2014/main" id="{4072D5E7-FD42-47B5-B380-3110C365D02D}"/>
+              </a:ext>
+            </a:extLst>
+          </p:cNvPr>
+          <p:cNvSpPr/>
+          <p:nvPr/>
+        </p:nvSpPr>
+        <p:spPr>
+          <a:xfrm>
+            <a:off x="1281496" y="923828"/>
+            <a:ext cx="646331" cy="369332"/>
+          </a:xfrm>
+          <a:prstGeom prst="rect">
+            <a:avLst/>
+          </a:prstGeom>
+        </p:spPr>
+        <p:txBody>
+          <a:bodyPr wrap="none">
+            <a:spAutoFit/>
+          </a:bodyPr>
+          <a:lstStyle/>
+          <a:p>
+            <a:r>
+              <a:rPr lang="ja-JP" altLang="en-US" b="1" dirty="0"/>
+              <a:t>学習</a:t>
+            </a:r>
+            <a:endParaRPr lang="en-US" altLang="ja-JP" b="1" dirty="0"/>
+          </a:p>
+        </p:txBody>
+      </p:sp>
       <p:pic>
         <p:nvPicPr>
-          <p:cNvPr id="14" name="図 13">
+          <p:cNvPr id="10" name="図 9">
             <a:extLst>
               <a:ext uri="{FF2B5EF4-FFF2-40B4-BE49-F238E27FC236}">
-                <a16:creationId xmlns:a16="http://schemas.microsoft.com/office/drawing/2014/main" id="{2B58ED68-A498-4D71-A46C-136B02638166}"/>
+                <a16:creationId xmlns:a16="http://schemas.microsoft.com/office/drawing/2014/main" id="{7BEE0BC2-6DC2-4BA7-ADAC-1357A0C01E74}"/>
               </a:ext>
             </a:extLst>
           </p:cNvPr>
@@ -9416,18 +10984,209 @@
         </p:blipFill>
         <p:spPr>
           <a:xfrm>
-            <a:off x="1307468" y="2924944"/>
-            <a:ext cx="3324689" cy="819264"/>
+            <a:off x="1586033" y="2364487"/>
+            <a:ext cx="2191056" cy="657317"/>
           </a:xfrm>
           <a:prstGeom prst="rect">
             <a:avLst/>
           </a:prstGeom>
         </p:spPr>
       </p:pic>
+      <p:sp>
+        <p:nvSpPr>
+          <p:cNvPr id="6" name="正方形/長方形 5">
+            <a:extLst>
+              <a:ext uri="{FF2B5EF4-FFF2-40B4-BE49-F238E27FC236}">
+                <a16:creationId xmlns:a16="http://schemas.microsoft.com/office/drawing/2014/main" id="{4EAA16E5-6400-49A5-A4B5-6BC10D31A692}"/>
+              </a:ext>
+            </a:extLst>
+          </p:cNvPr>
+          <p:cNvSpPr/>
+          <p:nvPr/>
+        </p:nvSpPr>
+        <p:spPr>
+          <a:xfrm>
+            <a:off x="1593613" y="1695817"/>
+            <a:ext cx="6637458" cy="923330"/>
+          </a:xfrm>
+          <a:prstGeom prst="rect">
+            <a:avLst/>
+          </a:prstGeom>
+        </p:spPr>
+        <p:txBody>
+          <a:bodyPr wrap="none">
+            <a:spAutoFit/>
+          </a:bodyPr>
+          <a:lstStyle/>
+          <a:p>
+            <a:r>
+              <a:rPr lang="ja-JP" altLang="en-US" dirty="0"/>
+              <a:t>放射輝度は</a:t>
+            </a:r>
+            <a:r>
+              <a:rPr lang="en-US" altLang="ja-JP" dirty="0"/>
+              <a:t>HDR</a:t>
+            </a:r>
+            <a:r>
+              <a:rPr lang="ja-JP" altLang="en-US" dirty="0"/>
+              <a:t>なため、学習は高輝度値に支配されやすい。</a:t>
+            </a:r>
+            <a:endParaRPr lang="en-US" altLang="ja-JP" dirty="0"/>
+          </a:p>
+          <a:p>
+            <a:r>
+              <a:rPr lang="ja-JP" altLang="en-US" dirty="0"/>
+              <a:t>µ-</a:t>
+            </a:r>
+            <a:r>
+              <a:rPr lang="en-US" altLang="ja-JP" dirty="0"/>
+              <a:t>Law</a:t>
+            </a:r>
+            <a:r>
+              <a:rPr lang="ja-JP" altLang="en-US" dirty="0"/>
+              <a:t>を用いてトーンマッピングする（本論では</a:t>
+            </a:r>
+            <a:r>
+              <a:rPr lang="en-US" altLang="ja-JP" dirty="0"/>
+              <a:t>µ = 5000</a:t>
+            </a:r>
+            <a:r>
+              <a:rPr lang="ja-JP" altLang="en-US" dirty="0"/>
+              <a:t>）</a:t>
+            </a:r>
+            <a:endParaRPr lang="en-US" altLang="ja-JP" dirty="0"/>
+          </a:p>
+          <a:p>
+            <a:endParaRPr lang="ja-JP" altLang="en-US" dirty="0"/>
+          </a:p>
+        </p:txBody>
+      </p:sp>
+      <p:sp>
+        <p:nvSpPr>
+          <p:cNvPr id="14" name="正方形/長方形 13">
+            <a:extLst>
+              <a:ext uri="{FF2B5EF4-FFF2-40B4-BE49-F238E27FC236}">
+                <a16:creationId xmlns:a16="http://schemas.microsoft.com/office/drawing/2014/main" id="{DB855C3A-C92E-44C6-86C1-01A4D3AB6295}"/>
+              </a:ext>
+            </a:extLst>
+          </p:cNvPr>
+          <p:cNvSpPr/>
+          <p:nvPr/>
+        </p:nvSpPr>
+        <p:spPr>
+          <a:xfrm>
+            <a:off x="1604661" y="3513031"/>
+            <a:ext cx="10625025" cy="2031325"/>
+          </a:xfrm>
+          <a:prstGeom prst="rect">
+            <a:avLst/>
+          </a:prstGeom>
+        </p:spPr>
+        <p:txBody>
+          <a:bodyPr wrap="none">
+            <a:spAutoFit/>
+          </a:bodyPr>
+          <a:lstStyle/>
+          <a:p>
+            <a:r>
+              <a:rPr lang="en-US" altLang="ja-JP" b="1" dirty="0"/>
+              <a:t>Loss</a:t>
+            </a:r>
+            <a:r>
+              <a:rPr lang="ja-JP" altLang="en-US" b="1" dirty="0"/>
+              <a:t>関数</a:t>
+            </a:r>
+            <a:endParaRPr lang="en-US" altLang="ja-JP" b="1" dirty="0"/>
+          </a:p>
+          <a:p>
+            <a:r>
+              <a:rPr lang="ja-JP" altLang="en-US" dirty="0"/>
+              <a:t>トーンマッピングされた</a:t>
+            </a:r>
+            <a:r>
+              <a:rPr lang="en-US" altLang="ja-JP" dirty="0"/>
+              <a:t>GT</a:t>
+            </a:r>
+            <a:r>
+              <a:rPr lang="ja-JP" altLang="en-US" dirty="0"/>
+              <a:t>と推定放射輝度をもとに</a:t>
+            </a:r>
+            <a:r>
+              <a:rPr lang="en-US" altLang="ja-JP" dirty="0"/>
+              <a:t>L2 Loss</a:t>
+            </a:r>
+            <a:r>
+              <a:rPr lang="ja-JP" altLang="en-US" dirty="0"/>
+              <a:t>を適用（</a:t>
+            </a:r>
+            <a:r>
+              <a:rPr lang="en-US" altLang="ja-JP" dirty="0"/>
+              <a:t>L2 norm</a:t>
+            </a:r>
+            <a:r>
+              <a:rPr lang="ja-JP" altLang="en-US" dirty="0"/>
+              <a:t>？）</a:t>
+            </a:r>
+            <a:endParaRPr lang="en-US" altLang="ja-JP" dirty="0"/>
+          </a:p>
+          <a:p>
+            <a:endParaRPr lang="en-US" altLang="ja-JP" dirty="0"/>
+          </a:p>
+          <a:p>
+            <a:r>
+              <a:rPr lang="ja-JP" altLang="en-US" b="1" i="1" dirty="0"/>
+              <a:t>学習パラメタ</a:t>
+            </a:r>
+            <a:endParaRPr lang="en-US" altLang="ja-JP" b="1" i="1" dirty="0"/>
+          </a:p>
+          <a:p>
+            <a:r>
+              <a:rPr lang="ja-JP" altLang="en-US" dirty="0"/>
+              <a:t>次の２値はランダム</a:t>
+            </a:r>
+            <a:r>
+              <a:rPr lang="en-US" altLang="ja-JP" dirty="0"/>
+              <a:t>  K</a:t>
+            </a:r>
+            <a:r>
+              <a:rPr lang="ja-JP" altLang="en-US" dirty="0"/>
+              <a:t>（集める近傍フォトン数） </a:t>
+            </a:r>
+            <a:r>
+              <a:rPr lang="en-US" altLang="ja-JP" dirty="0"/>
+              <a:t>[100,800]</a:t>
+            </a:r>
+            <a:r>
+              <a:rPr lang="ja-JP" altLang="en-US" i="1" dirty="0"/>
+              <a:t>、フォトン</a:t>
+            </a:r>
+            <a:r>
+              <a:rPr lang="ja-JP" altLang="en-US" dirty="0"/>
+              <a:t>数</a:t>
+            </a:r>
+            <a:r>
+              <a:rPr lang="en-US" altLang="ja-JP" dirty="0"/>
+              <a:t> [0.3 millon,4 million]</a:t>
+            </a:r>
+          </a:p>
+          <a:p>
+            <a:r>
+              <a:rPr lang="en-US" altLang="ja-JP" dirty="0"/>
+              <a:t>Adam, 6000 epochs, initial learning rate of 10^−4 ,</a:t>
+            </a:r>
+          </a:p>
+          <a:p>
+            <a:r>
+              <a:rPr lang="en-US" altLang="ja-JP" dirty="0"/>
+              <a:t>a batch size of 2000 random shading points</a:t>
+            </a:r>
+          </a:p>
+        </p:txBody>
+      </p:sp>
     </p:spTree>
     <p:extLst>
       <p:ext uri="{BB962C8B-B14F-4D97-AF65-F5344CB8AC3E}">
-        <p14:creationId xmlns:p14="http://schemas.microsoft.com/office/powerpoint/2010/main" val="1545200345"/>
+        <p14:creationId xmlns:p14="http://schemas.microsoft.com/office/powerpoint/2010/main" val="4124414468"/>
       </p:ext>
     </p:extLst>
   </p:cSld>
